--- a/ecs36b_s2023_midterm.pptx
+++ b/ecs36b_s2023_midterm.pptx
@@ -5256,7 +5256,7 @@
         <p:spPr bwMode="auto">
           <a:xfrm>
             <a:off x="838200" y="2209800"/>
-            <a:ext cx="7772400" cy="1600438"/>
+            <a:ext cx="7772400" cy="2677656"/>
           </a:xfrm>
           <a:prstGeom prst="rect">
             <a:avLst/>
@@ -5434,7 +5434,26 @@
             <a:pPr algn="just" eaLnBrk="1" hangingPunct="1"/>
             <a:r>
               <a:rPr lang="en-US" altLang="en-US" sz="1400" dirty="0"/>
-              <a:t>If we suspect any cheating behavior, we will pass the case to the academic committee immediately.</a:t>
+              <a:t>You can discuss and collaborate with others in the class for ideas, but you must provide the final answer yourself. You can even pre-print your OWN answer on papers and just copy it during the exam. I don’t expect two or more students using exactly the same or very similar content in the exam. If we suspect any cheating behavior, we will pass the case to the academic committee immediately.</a:t>
+            </a:r>
+          </a:p>
+          <a:p>
+            <a:pPr algn="just" eaLnBrk="1" hangingPunct="1"/>
+            <a:endParaRPr lang="en-US" altLang="en-US" sz="1400" dirty="0"/>
+          </a:p>
+          <a:p>
+            <a:pPr algn="just" eaLnBrk="1" hangingPunct="1"/>
+            <a:r>
+              <a:rPr lang="en-US" altLang="en-US" sz="1400" dirty="0"/>
+              <a:t>Please see my policy on using </a:t>
+            </a:r>
+            <a:r>
+              <a:rPr lang="en-US" altLang="en-US" sz="1400" dirty="0" err="1"/>
+              <a:t>ChatGPT</a:t>
+            </a:r>
+            <a:r>
+              <a:rPr lang="en-US" altLang="en-US" sz="1400" dirty="0"/>
+              <a:t> on page 4.</a:t>
             </a:r>
           </a:p>
         </p:txBody>
@@ -6403,7 +6422,10 @@
               <a:t> as another type of government surveillance). If your answer is similar to one produced by </a:t>
             </a:r>
             <a:r>
-              <a:rPr lang="en-US" sz="1600" dirty="0" err="1">
+              <a:rPr lang="en-US" sz="1600" b="1" dirty="0" err="1">
+                <a:solidFill>
+                  <a:srgbClr val="7030A0"/>
+                </a:solidFill>
                 <a:latin typeface="+mj-lt"/>
                 <a:cs typeface="Courier New" panose="02070309020205020404" pitchFamily="49" charset="0"/>
               </a:rPr>
@@ -6414,8 +6436,19 @@
                 <a:latin typeface="+mj-lt"/>
                 <a:cs typeface="Courier New" panose="02070309020205020404" pitchFamily="49" charset="0"/>
               </a:rPr>
-              <a:t>, the innovative points will be low.</a:t>
-            </a:r>
+              <a:t>, the innovative points will be low. (You are welcome to use it for draft </a:t>
+            </a:r>
+            <a:r>
+              <a:rPr lang="en-US" sz="1600">
+                <a:latin typeface="+mj-lt"/>
+                <a:cs typeface="Courier New" panose="02070309020205020404" pitchFamily="49" charset="0"/>
+              </a:rPr>
+              <a:t>ideas though.)</a:t>
+            </a:r>
+            <a:endParaRPr lang="en-US" sz="1600" dirty="0">
+              <a:latin typeface="+mj-lt"/>
+              <a:cs typeface="Courier New" panose="02070309020205020404" pitchFamily="49" charset="0"/>
+            </a:endParaRPr>
           </a:p>
           <a:p>
             <a:endParaRPr lang="en-US" sz="1600" dirty="0">

--- a/ecs36b_s2023_midterm.pptx
+++ b/ecs36b_s2023_midterm.pptx
@@ -6201,8 +6201,8 @@
               <a:t>users and a consent protocol to obtain their data. And, next, at a high level, how the collected sound data (for the example of </a:t>
             </a:r>
             <a:r>
-              <a:rPr lang="en-US" sz="1600" dirty="0" err="1">
-                <a:latin typeface="+mj-lt"/>
+              <a:rPr lang="en-US" sz="1600" b="1" dirty="0" err="1">
+                <a:latin typeface="Courier New" panose="02070309020205020404" pitchFamily="49" charset="0"/>
                 <a:cs typeface="Courier New" panose="02070309020205020404" pitchFamily="49" charset="0"/>
               </a:rPr>
               <a:t>Sound_Record</a:t>
@@ -6387,7 +6387,7 @@
                 <a:latin typeface="+mj-lt"/>
                 <a:cs typeface="Courier New" panose="02070309020205020404" pitchFamily="49" charset="0"/>
               </a:rPr>
-              <a:t>You will be graded, [10/15] or two thirds, for correctly applying Object-Oriented concepts to your answer: Abstraction, Encapsulation, Inheritance, and Polymorphism. You don’t need to use all four of them, but whenever you do, apply them correctly. Furthermore, as I mentioned multiple times, multiple inheritance might likely introduce unexpected complexity into a Object-Oriented system. If you really need to use MI, please well justify. If the grader can find another way to handle the situation without using MI, then it is considered a misuse of OO principles.</a:t>
+              <a:t>You will be graded, [10/15] or two thirds, for correctly applying Object-Oriented concepts to your answer: Abstraction, Encapsulation, Inheritance, and Polymorphism. You don’t need to use all four of them, but whenever you do, apply them correctly. Furthermore, as I mentioned multiple times, multiple inheritance might likely introduce unexpected complexity into an Object-Oriented system. If you really need to use MI, please well justify. If the grader can find another way to handle the situation without using MI, then it is considered a misuse of OO principles.</a:t>
             </a:r>
           </a:p>
           <a:p>
@@ -6419,7 +6419,7 @@
                 <a:latin typeface="+mj-lt"/>
                 <a:cs typeface="Courier New" panose="02070309020205020404" pitchFamily="49" charset="0"/>
               </a:rPr>
-              <a:t> as another type of government surveillance). If your answer is similar to one produced by </a:t>
+              <a:t> as another type of government/corporate surveillance). If your answer is similar to one produced by </a:t>
             </a:r>
             <a:r>
               <a:rPr lang="en-US" sz="1600" b="1" dirty="0" err="1">
@@ -6436,19 +6436,8 @@
                 <a:latin typeface="+mj-lt"/>
                 <a:cs typeface="Courier New" panose="02070309020205020404" pitchFamily="49" charset="0"/>
               </a:rPr>
-              <a:t>, the innovative points will be low. (You are welcome to use it for draft </a:t>
-            </a:r>
-            <a:r>
-              <a:rPr lang="en-US" sz="1600">
-                <a:latin typeface="+mj-lt"/>
-                <a:cs typeface="Courier New" panose="02070309020205020404" pitchFamily="49" charset="0"/>
-              </a:rPr>
-              <a:t>ideas though.)</a:t>
-            </a:r>
-            <a:endParaRPr lang="en-US" sz="1600" dirty="0">
-              <a:latin typeface="+mj-lt"/>
-              <a:cs typeface="Courier New" panose="02070309020205020404" pitchFamily="49" charset="0"/>
-            </a:endParaRPr>
+              <a:t>, the innovative points will be low. You are welcome to use it for draft ideas though.</a:t>
+            </a:r>
           </a:p>
           <a:p>
             <a:endParaRPr lang="en-US" sz="1600" dirty="0">
@@ -6476,7 +6465,7 @@
                 <a:latin typeface="+mj-lt"/>
                 <a:cs typeface="Courier New" panose="02070309020205020404" pitchFamily="49" charset="0"/>
               </a:rPr>
-              <a:t> folder, FYI. I will only make minor changes or clarifications before the real exam. From now on, the instructor will not be able to answer questions like “will this particular OO design be considered innovative?” He will only provide answer to clarify the context or the assumptions (BTW, anything can be assumed) and to explain the concepts of the OO paradigm.</a:t>
+              <a:t> folder, FYI. I will only make minor changes or clarifications before the real exam. From now on, the instructor will not be able to answer questions like “will this particular OO design be considered innovative?” He will only provide answer to clarify the context or the assumptions (BTW, anything can be assumed by you) and to explain the concepts of the OO paradigm.</a:t>
             </a:r>
           </a:p>
           <a:p>
@@ -6491,7 +6480,21 @@
                 <a:latin typeface="+mj-lt"/>
                 <a:cs typeface="Courier New" panose="02070309020205020404" pitchFamily="49" charset="0"/>
               </a:rPr>
-              <a:t>Finally, you can discuss and collaborate with others in the class before the exam. But, during the exam, you need to hand-write down your answer from a hard-copy of this exam book.</a:t>
+              <a:t>Finally, you can discuss and collaborate with others in the class before the exam. But, during the exam, you need to hand-write down your </a:t>
+            </a:r>
+            <a:r>
+              <a:rPr lang="en-US" sz="1600">
+                <a:latin typeface="+mj-lt"/>
+                <a:cs typeface="Courier New" panose="02070309020205020404" pitchFamily="49" charset="0"/>
+              </a:rPr>
+              <a:t>answer on </a:t>
+            </a:r>
+            <a:r>
+              <a:rPr lang="en-US" sz="1600" dirty="0">
+                <a:latin typeface="+mj-lt"/>
+                <a:cs typeface="Courier New" panose="02070309020205020404" pitchFamily="49" charset="0"/>
+              </a:rPr>
+              <a:t>a hard-copy of this exam book.</a:t>
             </a:r>
           </a:p>
         </p:txBody>
